--- a/Unit Testing Workshop.pptx
+++ b/Unit Testing Workshop.pptx
@@ -55,10 +55,8 @@
     <p:sldId id="301" r:id="rId49"/>
     <p:sldId id="302" r:id="rId50"/>
     <p:sldId id="305" r:id="rId51"/>
-    <p:sldId id="304" r:id="rId52"/>
-    <p:sldId id="307" r:id="rId53"/>
-    <p:sldId id="306" r:id="rId54"/>
-    <p:sldId id="309" r:id="rId55"/>
+    <p:sldId id="306" r:id="rId52"/>
+    <p:sldId id="309" r:id="rId53"/>
   </p:sldIdLst>
   <p:sldSz cx="12192000" cy="6858000"/>
   <p:notesSz cx="6858000" cy="9144000"/>
@@ -314,7 +312,7 @@
           <a:p>
             <a:fld id="{3809C563-D1C7-412D-9050-B1968C450A2B}" type="datetimeFigureOut">
               <a:rPr lang="en-BE" smtClean="0"/>
-              <a:t>09/28/2023</a:t>
+              <a:t>18/03/2024</a:t>
             </a:fld>
             <a:endParaRPr lang="en-BE"/>
           </a:p>
@@ -514,7 +512,7 @@
           <a:p>
             <a:fld id="{3809C563-D1C7-412D-9050-B1968C450A2B}" type="datetimeFigureOut">
               <a:rPr lang="en-BE" smtClean="0"/>
-              <a:t>09/28/2023</a:t>
+              <a:t>18/03/2024</a:t>
             </a:fld>
             <a:endParaRPr lang="en-BE"/>
           </a:p>
@@ -724,7 +722,7 @@
           <a:p>
             <a:fld id="{3809C563-D1C7-412D-9050-B1968C450A2B}" type="datetimeFigureOut">
               <a:rPr lang="en-BE" smtClean="0"/>
-              <a:t>09/28/2023</a:t>
+              <a:t>18/03/2024</a:t>
             </a:fld>
             <a:endParaRPr lang="en-BE"/>
           </a:p>
@@ -924,7 +922,7 @@
           <a:p>
             <a:fld id="{3809C563-D1C7-412D-9050-B1968C450A2B}" type="datetimeFigureOut">
               <a:rPr lang="en-BE" smtClean="0"/>
-              <a:t>09/28/2023</a:t>
+              <a:t>18/03/2024</a:t>
             </a:fld>
             <a:endParaRPr lang="en-BE"/>
           </a:p>
@@ -1200,7 +1198,7 @@
           <a:p>
             <a:fld id="{3809C563-D1C7-412D-9050-B1968C450A2B}" type="datetimeFigureOut">
               <a:rPr lang="en-BE" smtClean="0"/>
-              <a:t>09/28/2023</a:t>
+              <a:t>18/03/2024</a:t>
             </a:fld>
             <a:endParaRPr lang="en-BE"/>
           </a:p>
@@ -1468,7 +1466,7 @@
           <a:p>
             <a:fld id="{3809C563-D1C7-412D-9050-B1968C450A2B}" type="datetimeFigureOut">
               <a:rPr lang="en-BE" smtClean="0"/>
-              <a:t>09/28/2023</a:t>
+              <a:t>18/03/2024</a:t>
             </a:fld>
             <a:endParaRPr lang="en-BE"/>
           </a:p>
@@ -1883,7 +1881,7 @@
           <a:p>
             <a:fld id="{3809C563-D1C7-412D-9050-B1968C450A2B}" type="datetimeFigureOut">
               <a:rPr lang="en-BE" smtClean="0"/>
-              <a:t>09/28/2023</a:t>
+              <a:t>18/03/2024</a:t>
             </a:fld>
             <a:endParaRPr lang="en-BE"/>
           </a:p>
@@ -2025,7 +2023,7 @@
           <a:p>
             <a:fld id="{3809C563-D1C7-412D-9050-B1968C450A2B}" type="datetimeFigureOut">
               <a:rPr lang="en-BE" smtClean="0"/>
-              <a:t>09/28/2023</a:t>
+              <a:t>18/03/2024</a:t>
             </a:fld>
             <a:endParaRPr lang="en-BE"/>
           </a:p>
@@ -2138,7 +2136,7 @@
           <a:p>
             <a:fld id="{3809C563-D1C7-412D-9050-B1968C450A2B}" type="datetimeFigureOut">
               <a:rPr lang="en-BE" smtClean="0"/>
-              <a:t>09/28/2023</a:t>
+              <a:t>18/03/2024</a:t>
             </a:fld>
             <a:endParaRPr lang="en-BE"/>
           </a:p>
@@ -2451,7 +2449,7 @@
           <a:p>
             <a:fld id="{3809C563-D1C7-412D-9050-B1968C450A2B}" type="datetimeFigureOut">
               <a:rPr lang="en-BE" smtClean="0"/>
-              <a:t>09/28/2023</a:t>
+              <a:t>18/03/2024</a:t>
             </a:fld>
             <a:endParaRPr lang="en-BE"/>
           </a:p>
@@ -2740,7 +2738,7 @@
           <a:p>
             <a:fld id="{3809C563-D1C7-412D-9050-B1968C450A2B}" type="datetimeFigureOut">
               <a:rPr lang="en-BE" smtClean="0"/>
-              <a:t>09/28/2023</a:t>
+              <a:t>18/03/2024</a:t>
             </a:fld>
             <a:endParaRPr lang="en-BE"/>
           </a:p>
@@ -2983,7 +2981,7 @@
           <a:p>
             <a:fld id="{3809C563-D1C7-412D-9050-B1968C450A2B}" type="datetimeFigureOut">
               <a:rPr lang="en-BE" smtClean="0"/>
-              <a:t>09/28/2023</a:t>
+              <a:t>18/03/2024</a:t>
             </a:fld>
             <a:endParaRPr lang="en-BE"/>
           </a:p>
@@ -3451,8 +3449,23 @@
           <a:lstStyle/>
           <a:p>
             <a:r>
-              <a:rPr lang="en-US" dirty="0"/>
-              <a:t>Sebastiaan Vandekerkhove</a:t>
+              <a:rPr lang="en-US" strike="sngStrike" dirty="0" err="1"/>
+              <a:t>Sebastiaan</a:t>
+            </a:r>
+            <a:r>
+              <a:rPr lang="en-US" strike="sngStrike" dirty="0"/>
+              <a:t> </a:t>
+            </a:r>
+            <a:r>
+              <a:rPr lang="en-US" strike="sngStrike" dirty="0" err="1"/>
+              <a:t>Vandekerkhove</a:t>
+            </a:r>
+            <a:endParaRPr lang="en-US" strike="sngStrike" dirty="0"/>
+          </a:p>
+          <a:p>
+            <a:r>
+              <a:rPr lang="en-US" dirty="0"/>
+              <a:t>Hans Matheeussen</a:t>
             </a:r>
             <a:endParaRPr lang="en-BE" dirty="0"/>
           </a:p>
@@ -7750,7 +7763,7 @@
           <a:p>
             <a:r>
               <a:rPr lang="en-US" dirty="0"/>
-              <a:t>https://github.com/Valthek/UnitTesting</a:t>
+              <a:t>https://github.com/HansMatheeussen/UnitTesting</a:t>
             </a:r>
           </a:p>
         </p:txBody>
@@ -9489,7 +9502,7 @@
             </a:r>
             <a:r>
               <a:rPr lang="en-US" dirty="0" err="1"/>
-              <a:t>Moq</a:t>
+              <a:t>NSubstitute</a:t>
             </a:r>
             <a:endParaRPr lang="en-BE" dirty="0"/>
           </a:p>
@@ -10019,7 +10032,7 @@
             </a:r>
             <a:r>
               <a:rPr lang="en-US" dirty="0" err="1"/>
-              <a:t>Moq</a:t>
+              <a:t>NSubstitute</a:t>
             </a:r>
             <a:endParaRPr lang="en-BE" dirty="0"/>
           </a:p>
@@ -13826,431 +13839,6 @@
           <p:cNvPr id="2" name="Title 1">
             <a:extLst>
               <a:ext uri="{FF2B5EF4-FFF2-40B4-BE49-F238E27FC236}">
-                <a16:creationId xmlns:a16="http://schemas.microsoft.com/office/drawing/2014/main" id="{03738240-EB2B-4589-6DC3-C03B6B3AB88C}"/>
-              </a:ext>
-            </a:extLst>
-          </p:cNvPr>
-          <p:cNvSpPr>
-            <a:spLocks noGrp="1"/>
-          </p:cNvSpPr>
-          <p:nvPr>
-            <p:ph type="title"/>
-          </p:nvPr>
-        </p:nvSpPr>
-        <p:spPr/>
-        <p:txBody>
-          <a:bodyPr/>
-          <a:lstStyle/>
-          <a:p>
-            <a:r>
-              <a:rPr lang="en-US" dirty="0"/>
-              <a:t>Confirmation bias and you</a:t>
-            </a:r>
-            <a:endParaRPr lang="en-BE" dirty="0"/>
-          </a:p>
-        </p:txBody>
-      </p:sp>
-      <p:sp>
-        <p:nvSpPr>
-          <p:cNvPr id="3" name="Content Placeholder 2">
-            <a:extLst>
-              <a:ext uri="{FF2B5EF4-FFF2-40B4-BE49-F238E27FC236}">
-                <a16:creationId xmlns:a16="http://schemas.microsoft.com/office/drawing/2014/main" id="{9AE50CDC-DE6F-9195-1D4C-A0FD82764B17}"/>
-              </a:ext>
-            </a:extLst>
-          </p:cNvPr>
-          <p:cNvSpPr>
-            <a:spLocks noGrp="1"/>
-          </p:cNvSpPr>
-          <p:nvPr>
-            <p:ph idx="1"/>
-          </p:nvPr>
-        </p:nvSpPr>
-        <p:spPr/>
-        <p:txBody>
-          <a:bodyPr/>
-          <a:lstStyle/>
-          <a:p>
-            <a:r>
-              <a:rPr lang="en-US" dirty="0"/>
-              <a:t>A quick game: Guess the rule</a:t>
-            </a:r>
-          </a:p>
-          <a:p>
-            <a:r>
-              <a:rPr lang="en-US" dirty="0"/>
-              <a:t>Guesses must contain 3 numbers only</a:t>
-            </a:r>
-          </a:p>
-          <a:p>
-            <a:r>
-              <a:rPr lang="en-US" dirty="0"/>
-              <a:t>I know the rule</a:t>
-            </a:r>
-          </a:p>
-          <a:p>
-            <a:r>
-              <a:rPr lang="en-US" dirty="0"/>
-              <a:t>Find the rule by deriving the rule from your guesses</a:t>
-            </a:r>
-          </a:p>
-          <a:p>
-            <a:endParaRPr lang="en-BE" dirty="0"/>
-          </a:p>
-        </p:txBody>
-      </p:sp>
-    </p:spTree>
-    <p:extLst>
-      <p:ext uri="{BB962C8B-B14F-4D97-AF65-F5344CB8AC3E}">
-        <p14:creationId xmlns:p14="http://schemas.microsoft.com/office/powerpoint/2010/main" val="1865451797"/>
-      </p:ext>
-    </p:extLst>
-  </p:cSld>
-  <p:clrMapOvr>
-    <a:masterClrMapping/>
-  </p:clrMapOvr>
-  <p:timing>
-    <p:tnLst>
-      <p:par>
-        <p:cTn id="1" dur="indefinite" restart="never" nodeType="tmRoot">
-          <p:childTnLst>
-            <p:seq concurrent="1" nextAc="seek">
-              <p:cTn id="2" dur="indefinite" nodeType="mainSeq">
-                <p:childTnLst>
-                  <p:par>
-                    <p:cTn id="3" fill="hold">
-                      <p:stCondLst>
-                        <p:cond delay="indefinite"/>
-                      </p:stCondLst>
-                      <p:childTnLst>
-                        <p:par>
-                          <p:cTn id="4" fill="hold">
-                            <p:stCondLst>
-                              <p:cond delay="0"/>
-                            </p:stCondLst>
-                            <p:childTnLst>
-                              <p:par>
-                                <p:cTn id="5" presetID="1" presetClass="entr" presetSubtype="0" fill="hold" grpId="0" nodeType="clickEffect">
-                                  <p:stCondLst>
-                                    <p:cond delay="0"/>
-                                  </p:stCondLst>
-                                  <p:childTnLst>
-                                    <p:set>
-                                      <p:cBhvr>
-                                        <p:cTn id="6" dur="1" fill="hold">
-                                          <p:stCondLst>
-                                            <p:cond delay="0"/>
-                                          </p:stCondLst>
-                                        </p:cTn>
-                                        <p:tgtEl>
-                                          <p:spTgt spid="3">
-                                            <p:txEl>
-                                              <p:pRg st="0" end="0"/>
-                                            </p:txEl>
-                                          </p:spTgt>
-                                        </p:tgtEl>
-                                        <p:attrNameLst>
-                                          <p:attrName>style.visibility</p:attrName>
-                                        </p:attrNameLst>
-                                      </p:cBhvr>
-                                      <p:to>
-                                        <p:strVal val="visible"/>
-                                      </p:to>
-                                    </p:set>
-                                  </p:childTnLst>
-                                </p:cTn>
-                              </p:par>
-                            </p:childTnLst>
-                          </p:cTn>
-                        </p:par>
-                      </p:childTnLst>
-                    </p:cTn>
-                  </p:par>
-                  <p:par>
-                    <p:cTn id="7" fill="hold">
-                      <p:stCondLst>
-                        <p:cond delay="indefinite"/>
-                      </p:stCondLst>
-                      <p:childTnLst>
-                        <p:par>
-                          <p:cTn id="8" fill="hold">
-                            <p:stCondLst>
-                              <p:cond delay="0"/>
-                            </p:stCondLst>
-                            <p:childTnLst>
-                              <p:par>
-                                <p:cTn id="9" presetID="1" presetClass="entr" presetSubtype="0" fill="hold" grpId="0" nodeType="clickEffect">
-                                  <p:stCondLst>
-                                    <p:cond delay="0"/>
-                                  </p:stCondLst>
-                                  <p:childTnLst>
-                                    <p:set>
-                                      <p:cBhvr>
-                                        <p:cTn id="10" dur="1" fill="hold">
-                                          <p:stCondLst>
-                                            <p:cond delay="0"/>
-                                          </p:stCondLst>
-                                        </p:cTn>
-                                        <p:tgtEl>
-                                          <p:spTgt spid="3">
-                                            <p:txEl>
-                                              <p:pRg st="1" end="1"/>
-                                            </p:txEl>
-                                          </p:spTgt>
-                                        </p:tgtEl>
-                                        <p:attrNameLst>
-                                          <p:attrName>style.visibility</p:attrName>
-                                        </p:attrNameLst>
-                                      </p:cBhvr>
-                                      <p:to>
-                                        <p:strVal val="visible"/>
-                                      </p:to>
-                                    </p:set>
-                                  </p:childTnLst>
-                                </p:cTn>
-                              </p:par>
-                            </p:childTnLst>
-                          </p:cTn>
-                        </p:par>
-                      </p:childTnLst>
-                    </p:cTn>
-                  </p:par>
-                  <p:par>
-                    <p:cTn id="11" fill="hold">
-                      <p:stCondLst>
-                        <p:cond delay="indefinite"/>
-                      </p:stCondLst>
-                      <p:childTnLst>
-                        <p:par>
-                          <p:cTn id="12" fill="hold">
-                            <p:stCondLst>
-                              <p:cond delay="0"/>
-                            </p:stCondLst>
-                            <p:childTnLst>
-                              <p:par>
-                                <p:cTn id="13" presetID="1" presetClass="entr" presetSubtype="0" fill="hold" grpId="0" nodeType="clickEffect">
-                                  <p:stCondLst>
-                                    <p:cond delay="0"/>
-                                  </p:stCondLst>
-                                  <p:childTnLst>
-                                    <p:set>
-                                      <p:cBhvr>
-                                        <p:cTn id="14" dur="1" fill="hold">
-                                          <p:stCondLst>
-                                            <p:cond delay="0"/>
-                                          </p:stCondLst>
-                                        </p:cTn>
-                                        <p:tgtEl>
-                                          <p:spTgt spid="3">
-                                            <p:txEl>
-                                              <p:pRg st="2" end="2"/>
-                                            </p:txEl>
-                                          </p:spTgt>
-                                        </p:tgtEl>
-                                        <p:attrNameLst>
-                                          <p:attrName>style.visibility</p:attrName>
-                                        </p:attrNameLst>
-                                      </p:cBhvr>
-                                      <p:to>
-                                        <p:strVal val="visible"/>
-                                      </p:to>
-                                    </p:set>
-                                  </p:childTnLst>
-                                </p:cTn>
-                              </p:par>
-                            </p:childTnLst>
-                          </p:cTn>
-                        </p:par>
-                      </p:childTnLst>
-                    </p:cTn>
-                  </p:par>
-                  <p:par>
-                    <p:cTn id="15" fill="hold">
-                      <p:stCondLst>
-                        <p:cond delay="indefinite"/>
-                      </p:stCondLst>
-                      <p:childTnLst>
-                        <p:par>
-                          <p:cTn id="16" fill="hold">
-                            <p:stCondLst>
-                              <p:cond delay="0"/>
-                            </p:stCondLst>
-                            <p:childTnLst>
-                              <p:par>
-                                <p:cTn id="17" presetID="1" presetClass="entr" presetSubtype="0" fill="hold" grpId="0" nodeType="clickEffect">
-                                  <p:stCondLst>
-                                    <p:cond delay="0"/>
-                                  </p:stCondLst>
-                                  <p:childTnLst>
-                                    <p:set>
-                                      <p:cBhvr>
-                                        <p:cTn id="18" dur="1" fill="hold">
-                                          <p:stCondLst>
-                                            <p:cond delay="0"/>
-                                          </p:stCondLst>
-                                        </p:cTn>
-                                        <p:tgtEl>
-                                          <p:spTgt spid="3">
-                                            <p:txEl>
-                                              <p:pRg st="3" end="3"/>
-                                            </p:txEl>
-                                          </p:spTgt>
-                                        </p:tgtEl>
-                                        <p:attrNameLst>
-                                          <p:attrName>style.visibility</p:attrName>
-                                        </p:attrNameLst>
-                                      </p:cBhvr>
-                                      <p:to>
-                                        <p:strVal val="visible"/>
-                                      </p:to>
-                                    </p:set>
-                                  </p:childTnLst>
-                                </p:cTn>
-                              </p:par>
-                            </p:childTnLst>
-                          </p:cTn>
-                        </p:par>
-                      </p:childTnLst>
-                    </p:cTn>
-                  </p:par>
-                </p:childTnLst>
-              </p:cTn>
-              <p:prevCondLst>
-                <p:cond evt="onPrev" delay="0">
-                  <p:tgtEl>
-                    <p:sldTgt/>
-                  </p:tgtEl>
-                </p:cond>
-              </p:prevCondLst>
-              <p:nextCondLst>
-                <p:cond evt="onNext" delay="0">
-                  <p:tgtEl>
-                    <p:sldTgt/>
-                  </p:tgtEl>
-                </p:cond>
-              </p:nextCondLst>
-            </p:seq>
-          </p:childTnLst>
-        </p:cTn>
-      </p:par>
-    </p:tnLst>
-    <p:bldLst>
-      <p:bldP spid="3" grpId="0" build="p"/>
-    </p:bldLst>
-  </p:timing>
-</p:sld>
-</file>
-
-<file path=ppt/slides/slide52.xml><?xml version="1.0" encoding="utf-8"?>
-<p:sld xmlns:a="http://schemas.openxmlformats.org/drawingml/2006/main" xmlns:r="http://schemas.openxmlformats.org/officeDocument/2006/relationships" xmlns:p="http://schemas.openxmlformats.org/presentationml/2006/main">
-  <p:cSld>
-    <p:spTree>
-      <p:nvGrpSpPr>
-        <p:cNvPr id="1" name=""/>
-        <p:cNvGrpSpPr/>
-        <p:nvPr/>
-      </p:nvGrpSpPr>
-      <p:grpSpPr>
-        <a:xfrm>
-          <a:off x="0" y="0"/>
-          <a:ext cx="0" cy="0"/>
-          <a:chOff x="0" y="0"/>
-          <a:chExt cx="0" cy="0"/>
-        </a:xfrm>
-      </p:grpSpPr>
-      <p:sp>
-        <p:nvSpPr>
-          <p:cNvPr id="2" name="Title 1">
-            <a:extLst>
-              <a:ext uri="{FF2B5EF4-FFF2-40B4-BE49-F238E27FC236}">
-                <a16:creationId xmlns:a16="http://schemas.microsoft.com/office/drawing/2014/main" id="{0ACF617F-40BD-1696-C29C-1382ED7C031A}"/>
-              </a:ext>
-            </a:extLst>
-          </p:cNvPr>
-          <p:cNvSpPr>
-            <a:spLocks noGrp="1"/>
-          </p:cNvSpPr>
-          <p:nvPr>
-            <p:ph type="title"/>
-          </p:nvPr>
-        </p:nvSpPr>
-        <p:spPr/>
-        <p:txBody>
-          <a:bodyPr/>
-          <a:lstStyle/>
-          <a:p>
-            <a:r>
-              <a:rPr lang="en-US" dirty="0"/>
-              <a:t>The rule</a:t>
-            </a:r>
-            <a:endParaRPr lang="en-BE" dirty="0"/>
-          </a:p>
-        </p:txBody>
-      </p:sp>
-      <p:sp>
-        <p:nvSpPr>
-          <p:cNvPr id="3" name="Content Placeholder 2">
-            <a:extLst>
-              <a:ext uri="{FF2B5EF4-FFF2-40B4-BE49-F238E27FC236}">
-                <a16:creationId xmlns:a16="http://schemas.microsoft.com/office/drawing/2014/main" id="{86A51D0E-01D4-1FAE-B67C-332D3F11A888}"/>
-              </a:ext>
-            </a:extLst>
-          </p:cNvPr>
-          <p:cNvSpPr>
-            <a:spLocks noGrp="1"/>
-          </p:cNvSpPr>
-          <p:nvPr>
-            <p:ph idx="1"/>
-          </p:nvPr>
-        </p:nvSpPr>
-        <p:spPr/>
-        <p:txBody>
-          <a:bodyPr/>
-          <a:lstStyle/>
-          <a:p>
-            <a:r>
-              <a:rPr lang="en-US" dirty="0"/>
-              <a:t>Literally any 3 whole numbers</a:t>
-            </a:r>
-            <a:endParaRPr lang="en-BE" dirty="0"/>
-          </a:p>
-        </p:txBody>
-      </p:sp>
-    </p:spTree>
-    <p:extLst>
-      <p:ext uri="{BB962C8B-B14F-4D97-AF65-F5344CB8AC3E}">
-        <p14:creationId xmlns:p14="http://schemas.microsoft.com/office/powerpoint/2010/main" val="1792161843"/>
-      </p:ext>
-    </p:extLst>
-  </p:cSld>
-  <p:clrMapOvr>
-    <a:masterClrMapping/>
-  </p:clrMapOvr>
-</p:sld>
-</file>
-
-<file path=ppt/slides/slide53.xml><?xml version="1.0" encoding="utf-8"?>
-<p:sld xmlns:a="http://schemas.openxmlformats.org/drawingml/2006/main" xmlns:r="http://schemas.openxmlformats.org/officeDocument/2006/relationships" xmlns:p="http://schemas.openxmlformats.org/presentationml/2006/main">
-  <p:cSld>
-    <p:spTree>
-      <p:nvGrpSpPr>
-        <p:cNvPr id="1" name=""/>
-        <p:cNvGrpSpPr/>
-        <p:nvPr/>
-      </p:nvGrpSpPr>
-      <p:grpSpPr>
-        <a:xfrm>
-          <a:off x="0" y="0"/>
-          <a:ext cx="0" cy="0"/>
-          <a:chOff x="0" y="0"/>
-          <a:chExt cx="0" cy="0"/>
-        </a:xfrm>
-      </p:grpSpPr>
-      <p:sp>
-        <p:nvSpPr>
-          <p:cNvPr id="2" name="Title 1">
-            <a:extLst>
-              <a:ext uri="{FF2B5EF4-FFF2-40B4-BE49-F238E27FC236}">
                 <a16:creationId xmlns:a16="http://schemas.microsoft.com/office/drawing/2014/main" id="{39185886-CB20-4566-9499-90900B4B6523}"/>
               </a:ext>
             </a:extLst>
@@ -14619,7 +14207,7 @@
 </p:sld>
 </file>
 
-<file path=ppt/slides/slide54.xml><?xml version="1.0" encoding="utf-8"?>
+<file path=ppt/slides/slide52.xml><?xml version="1.0" encoding="utf-8"?>
 <p:sld xmlns:a="http://schemas.openxmlformats.org/drawingml/2006/main" xmlns:r="http://schemas.openxmlformats.org/officeDocument/2006/relationships" xmlns:p="http://schemas.openxmlformats.org/presentationml/2006/main">
   <p:cSld>
     <p:spTree>
